--- a/lecture-slides/2019-10-30-oop.pptx
+++ b/lecture-slides/2019-10-30-oop.pptx
@@ -246,7 +246,7 @@
           <a:p>
             <a:fld id="{A677DEB0-5AA4-49C7-B0AD-AD047A002C4C}" type="datetimeFigureOut">
               <a:rPr lang="en-US" smtClean="0"/>
-              <a:t>10/30/19</a:t>
+              <a:t>10/30/2019</a:t>
             </a:fld>
             <a:endParaRPr lang="en-US"/>
           </a:p>
@@ -557,50 +557,6 @@
           <a:bodyPr/>
           <a:lstStyle/>
           <a:p>
-            <a:r>
-              <a:rPr lang="en-US" sz="1200" kern="1200" dirty="0" err="1">
-                <a:solidFill>
-                  <a:schemeClr val="tx1"/>
-                </a:solidFill>
-                <a:latin typeface="+mn-lt"/>
-                <a:ea typeface="+mn-ea"/>
-                <a:cs typeface="+mn-cs"/>
-              </a:rPr>
-              <a:t>Witron</a:t>
-            </a:r>
-            <a:r>
-              <a:rPr lang="en-US" sz="1200" kern="1200" dirty="0">
-                <a:solidFill>
-                  <a:schemeClr val="tx1"/>
-                </a:solidFill>
-                <a:latin typeface="+mn-lt"/>
-                <a:ea typeface="+mn-ea"/>
-                <a:cs typeface="+mn-cs"/>
-              </a:rPr>
-              <a:t> Integrate is a maker of warehouse automation software and systems and Shane Tucci is a Data Analyst and </a:t>
-            </a:r>
-            <a:r>
-              <a:rPr lang="en-US" sz="1200" kern="1200" dirty="0" err="1">
-                <a:solidFill>
-                  <a:schemeClr val="tx1"/>
-                </a:solidFill>
-                <a:latin typeface="+mn-lt"/>
-                <a:ea typeface="+mn-ea"/>
-                <a:cs typeface="+mn-cs"/>
-              </a:rPr>
-              <a:t>Witron</a:t>
-            </a:r>
-            <a:r>
-              <a:rPr lang="en-US" sz="1200" kern="1200" dirty="0">
-                <a:solidFill>
-                  <a:schemeClr val="tx1"/>
-                </a:solidFill>
-                <a:latin typeface="+mn-lt"/>
-                <a:ea typeface="+mn-ea"/>
-                <a:cs typeface="+mn-cs"/>
-              </a:rPr>
-              <a:t> and a recent graduate from Lewis University (graduated last year with a degree in Computer Engineering)</a:t>
-            </a:r>
             <a:endParaRPr lang="en-US" dirty="0"/>
           </a:p>
         </p:txBody>
@@ -2069,7 +2025,7 @@
           <a:p>
             <a:fld id="{1B52E0E1-344B-4E26-B5AD-CE86AB802485}" type="datetimeFigureOut">
               <a:rPr lang="en-US" smtClean="0"/>
-              <a:t>10/30/19</a:t>
+              <a:t>10/30/2019</a:t>
             </a:fld>
             <a:endParaRPr lang="en-US"/>
           </a:p>
@@ -2267,7 +2223,7 @@
           <a:p>
             <a:fld id="{1B52E0E1-344B-4E26-B5AD-CE86AB802485}" type="datetimeFigureOut">
               <a:rPr lang="en-US" smtClean="0"/>
-              <a:t>10/30/19</a:t>
+              <a:t>10/30/2019</a:t>
             </a:fld>
             <a:endParaRPr lang="en-US"/>
           </a:p>
@@ -2475,7 +2431,7 @@
           <a:p>
             <a:fld id="{1B52E0E1-344B-4E26-B5AD-CE86AB802485}" type="datetimeFigureOut">
               <a:rPr lang="en-US" smtClean="0"/>
-              <a:t>10/30/19</a:t>
+              <a:t>10/30/2019</a:t>
             </a:fld>
             <a:endParaRPr lang="en-US"/>
           </a:p>
@@ -2673,7 +2629,7 @@
           <a:p>
             <a:fld id="{1B52E0E1-344B-4E26-B5AD-CE86AB802485}" type="datetimeFigureOut">
               <a:rPr lang="en-US" smtClean="0"/>
-              <a:t>10/30/19</a:t>
+              <a:t>10/30/2019</a:t>
             </a:fld>
             <a:endParaRPr lang="en-US"/>
           </a:p>
@@ -2948,7 +2904,7 @@
           <a:p>
             <a:fld id="{1B52E0E1-344B-4E26-B5AD-CE86AB802485}" type="datetimeFigureOut">
               <a:rPr lang="en-US" smtClean="0"/>
-              <a:t>10/30/19</a:t>
+              <a:t>10/30/2019</a:t>
             </a:fld>
             <a:endParaRPr lang="en-US"/>
           </a:p>
@@ -3213,7 +3169,7 @@
           <a:p>
             <a:fld id="{1B52E0E1-344B-4E26-B5AD-CE86AB802485}" type="datetimeFigureOut">
               <a:rPr lang="en-US" smtClean="0"/>
-              <a:t>10/30/19</a:t>
+              <a:t>10/30/2019</a:t>
             </a:fld>
             <a:endParaRPr lang="en-US"/>
           </a:p>
@@ -3625,7 +3581,7 @@
           <a:p>
             <a:fld id="{1B52E0E1-344B-4E26-B5AD-CE86AB802485}" type="datetimeFigureOut">
               <a:rPr lang="en-US" smtClean="0"/>
-              <a:t>10/30/19</a:t>
+              <a:t>10/30/2019</a:t>
             </a:fld>
             <a:endParaRPr lang="en-US"/>
           </a:p>
@@ -3766,7 +3722,7 @@
           <a:p>
             <a:fld id="{1B52E0E1-344B-4E26-B5AD-CE86AB802485}" type="datetimeFigureOut">
               <a:rPr lang="en-US" smtClean="0"/>
-              <a:t>10/30/19</a:t>
+              <a:t>10/30/2019</a:t>
             </a:fld>
             <a:endParaRPr lang="en-US"/>
           </a:p>
@@ -3879,7 +3835,7 @@
           <a:p>
             <a:fld id="{1B52E0E1-344B-4E26-B5AD-CE86AB802485}" type="datetimeFigureOut">
               <a:rPr lang="en-US" smtClean="0"/>
-              <a:t>10/30/19</a:t>
+              <a:t>10/30/2019</a:t>
             </a:fld>
             <a:endParaRPr lang="en-US"/>
           </a:p>
@@ -4190,7 +4146,7 @@
           <a:p>
             <a:fld id="{1B52E0E1-344B-4E26-B5AD-CE86AB802485}" type="datetimeFigureOut">
               <a:rPr lang="en-US" smtClean="0"/>
-              <a:t>10/30/19</a:t>
+              <a:t>10/30/2019</a:t>
             </a:fld>
             <a:endParaRPr lang="en-US"/>
           </a:p>
@@ -4478,7 +4434,7 @@
           <a:p>
             <a:fld id="{1B52E0E1-344B-4E26-B5AD-CE86AB802485}" type="datetimeFigureOut">
               <a:rPr lang="en-US" smtClean="0"/>
-              <a:t>10/30/19</a:t>
+              <a:t>10/30/2019</a:t>
             </a:fld>
             <a:endParaRPr lang="en-US"/>
           </a:p>
@@ -4719,7 +4675,7 @@
           <a:p>
             <a:fld id="{1B52E0E1-344B-4E26-B5AD-CE86AB802485}" type="datetimeFigureOut">
               <a:rPr lang="en-US" smtClean="0"/>
-              <a:t>10/30/19</a:t>
+              <a:t>10/30/2019</a:t>
             </a:fld>
             <a:endParaRPr lang="en-US"/>
           </a:p>
@@ -5278,13 +5234,8 @@
             </a:pPr>
             <a:r>
               <a:rPr lang="en-US" sz="2000" dirty="0"/>
-              <a:t>Discuss </a:t>
-            </a:r>
-            <a:r>
-              <a:rPr lang="en-US" sz="2000" dirty="0" err="1"/>
-              <a:t>SwissArmyKnife</a:t>
-            </a:r>
-            <a:endParaRPr lang="en-US" sz="2000" dirty="0"/>
+              <a:t>Discuss SwissArmyKnife Assignment</a:t>
+            </a:r>
           </a:p>
           <a:p>
             <a:pPr marL="457200" indent="-457200">
@@ -6681,7 +6632,7 @@
           <a:graphicData uri="http://schemas.openxmlformats.org/presentationml/2006/ole">
             <mc:AlternateContent xmlns:mc="http://schemas.openxmlformats.org/markup-compatibility/2006">
               <mc:Choice xmlns:v="urn:schemas-microsoft-com:vml" Requires="v">
-                <p:oleObj spid="_x0000_s3081" name="Worksheet" r:id="rId3" imgW="7289800" imgH="7023100" progId="Excel.Sheet.12">
+                <p:oleObj spid="_x0000_s3084" name="Worksheet" r:id="rId3" imgW="7289800" imgH="7023100" progId="Excel.Sheet.12">
                   <p:embed/>
                 </p:oleObj>
               </mc:Choice>
@@ -8413,7 +8364,7 @@
           <a:graphicData uri="http://schemas.openxmlformats.org/presentationml/2006/ole">
             <mc:AlternateContent xmlns:mc="http://schemas.openxmlformats.org/markup-compatibility/2006">
               <mc:Choice xmlns:v="urn:schemas-microsoft-com:vml" Requires="v">
-                <p:oleObj spid="_x0000_s4099" name="Worksheet" r:id="rId3" imgW="7289800" imgH="6540500" progId="Excel.Sheet.12">
+                <p:oleObj spid="_x0000_s4102" name="Worksheet" r:id="rId3" imgW="7289800" imgH="6540500" progId="Excel.Sheet.12">
                   <p:embed/>
                 </p:oleObj>
               </mc:Choice>
@@ -8742,13 +8693,8 @@
             </a:pPr>
             <a:r>
               <a:rPr lang="en-US" sz="4400" dirty="0"/>
-              <a:t>Discuss </a:t>
-            </a:r>
-            <a:r>
-              <a:rPr lang="en-US" sz="4400" dirty="0" err="1"/>
-              <a:t>SwissArmyKnife</a:t>
-            </a:r>
-            <a:endParaRPr lang="en-US" sz="4400" dirty="0"/>
+              <a:t>Discuss SwissArmyKnife</a:t>
+            </a:r>
           </a:p>
         </p:txBody>
       </p:sp>
@@ -8991,15 +8937,7 @@
             </a:pPr>
             <a:r>
               <a:rPr lang="en-US" sz="2000" dirty="0"/>
-              <a:t>Work on PA5 </a:t>
-            </a:r>
-            <a:r>
-              <a:rPr lang="en-US" sz="2000" dirty="0" err="1"/>
-              <a:t>SwissArmyKnife</a:t>
-            </a:r>
-            <a:r>
-              <a:rPr lang="en-US" sz="2000" dirty="0"/>
-              <a:t> (</a:t>
+              <a:t>Work on SwissArmyKnife (</a:t>
             </a:r>
             <a:r>
               <a:rPr lang="en-US" sz="2000" dirty="0" err="1"/>
